--- a/output/modernWorship/Happy-Day.pptx
+++ b/output/modernWorship/Happy-Day.pptx
@@ -660,6 +660,9 @@
           <a:bodyPr/>
           <a:lstStyle/>
           <a:p>
+            <a:r>
+              <a:t>Verse 2</a:t>
+            </a:r>
             <a:br/>
             <a:r>
               <a:t>Writers:  Ben Cantelon, Tim Hughes</a:t>
@@ -736,7 +739,7 @@
           <a:lstStyle/>
           <a:p>
             <a:r>
-              <a:t>(Repeat Chorus)</a:t>
+              <a:t>Bridge</a:t>
             </a:r>
             <a:br/>
             <a:r>
@@ -3900,7 +3903,7 @@
             </a:r>
             <a:br/>
             <a:r>
-              <a:t>I'll never be the same </a:t>
+              <a:t>I'll never be the same</a:t>
             </a:r>
             <a:br/>
             <a:r>
@@ -3991,14 +3994,9 @@
           <a:lstStyle/>
           <a:p/>
           <a:p>
-            <a:br/>
             <a:pPr>
               <a:defRPr sz="2500"/>
             </a:pPr>
-            <a:r>
-              <a:t>Verse 2</a:t>
-            </a:r>
-            <a:br/>
             <a:r>
               <a:t>When I stand in that place</a:t>
             </a:r>
@@ -4049,10 +4047,13 @@
           <a:lstStyle/>
           <a:p/>
           <a:p>
-            <a:br/>
             <a:pPr>
               <a:defRPr sz="1200"/>
             </a:pPr>
+            <a:r>
+              <a:t>Verse 2</a:t>
+            </a:r>
+            <a:br/>
             <a:r>
               <a:t>Writers:  Ben Cantelon, Tim Hughes</a:t>
             </a:r>
@@ -4104,14 +4105,9 @@
           <a:lstStyle/>
           <a:p/>
           <a:p>
-            <a:br/>
             <a:pPr>
               <a:defRPr sz="2500"/>
             </a:pPr>
-            <a:r>
-              <a:t>Bridge    </a:t>
-            </a:r>
-            <a:br/>
             <a:r>
               <a:t>Oh, what a glorious day</a:t>
             </a:r>
@@ -4166,7 +4162,7 @@
               <a:defRPr sz="1200"/>
             </a:pPr>
             <a:r>
-              <a:t>(Repeat Chorus)</a:t>
+              <a:t>Bridge</a:t>
             </a:r>
             <a:br/>
             <a:r>
